--- a/thumbnail.pptx
+++ b/thumbnail.pptx
@@ -6,7 +6,8 @@
   </p:sldMasterIdLst>
   <p:sldIdLst>
     <p:sldId id="256" r:id="rId2"/>
-    <p:sldId id="257" r:id="rId3"/>
+    <p:sldId id="258" r:id="rId3"/>
+    <p:sldId id="257" r:id="rId4"/>
   </p:sldIdLst>
   <p:sldSz cx="12192000" cy="6858000"/>
   <p:notesSz cx="6858000" cy="9144000"/>
@@ -3697,6 +3698,269 @@
       </p:sp>
       <p:pic>
         <p:nvPicPr>
+          <p:cNvPr id="6" name="Picture 5" descr="A person standing next to a clock&#10;&#10;Description automatically generated with medium confidence">
+            <a:extLst>
+              <a:ext uri="{FF2B5EF4-FFF2-40B4-BE49-F238E27FC236}">
+                <a16:creationId xmlns:a16="http://schemas.microsoft.com/office/drawing/2014/main" id="{61807371-DD6A-AEBF-A074-1EF6F77F2F73}"/>
+              </a:ext>
+            </a:extLst>
+          </p:cNvPr>
+          <p:cNvPicPr>
+            <a:picLocks noChangeAspect="1"/>
+          </p:cNvPicPr>
+          <p:nvPr/>
+        </p:nvPicPr>
+        <p:blipFill rotWithShape="1">
+          <a:blip r:embed="rId2">
+            <a:extLst>
+              <a:ext uri="{28A0092B-C50C-407E-A947-70E740481C1C}">
+                <a14:useLocalDpi xmlns:a14="http://schemas.microsoft.com/office/drawing/2010/main" val="0"/>
+              </a:ext>
+            </a:extLst>
+          </a:blip>
+          <a:srcRect t="14719" b="35654"/>
+          <a:stretch/>
+        </p:blipFill>
+        <p:spPr>
+          <a:xfrm>
+            <a:off x="-2" y="1"/>
+            <a:ext cx="13819123" cy="6857999"/>
+          </a:xfrm>
+          <a:prstGeom prst="rect">
+            <a:avLst/>
+          </a:prstGeom>
+        </p:spPr>
+      </p:pic>
+      <p:sp>
+        <p:nvSpPr>
+          <p:cNvPr id="4" name="Title 3">
+            <a:extLst>
+              <a:ext uri="{FF2B5EF4-FFF2-40B4-BE49-F238E27FC236}">
+                <a16:creationId xmlns:a16="http://schemas.microsoft.com/office/drawing/2014/main" id="{8C668F09-B09E-BB12-DE00-150A7C76ECC0}"/>
+              </a:ext>
+            </a:extLst>
+          </p:cNvPr>
+          <p:cNvSpPr>
+            <a:spLocks noGrp="1"/>
+          </p:cNvSpPr>
+          <p:nvPr>
+            <p:ph type="title"/>
+          </p:nvPr>
+        </p:nvSpPr>
+        <p:spPr>
+          <a:xfrm>
+            <a:off x="-1" y="0"/>
+            <a:ext cx="9135123" cy="5074371"/>
+          </a:xfrm>
+        </p:spPr>
+        <p:txBody>
+          <a:bodyPr vert="horz" lIns="91440" tIns="45720" rIns="91440" bIns="45720" rtlCol="0" anchor="t">
+            <a:normAutofit/>
+          </a:bodyPr>
+          <a:lstStyle/>
+          <a:p>
+            <a:r>
+              <a:rPr lang="en-US" sz="6600" b="1" dirty="0">
+                <a:solidFill>
+                  <a:schemeClr val="tx1"/>
+                </a:solidFill>
+                <a:highlight>
+                  <a:srgbClr val="00FFFF"/>
+                </a:highlight>
+              </a:rPr>
+              <a:t> Manipulating </a:t>
+            </a:r>
+            <a:br>
+              <a:rPr lang="en-US" sz="6600" b="1" dirty="0">
+                <a:solidFill>
+                  <a:schemeClr val="tx1"/>
+                </a:solidFill>
+                <a:highlight>
+                  <a:srgbClr val="00FFFF"/>
+                </a:highlight>
+              </a:rPr>
+            </a:br>
+            <a:r>
+              <a:rPr lang="en-US" sz="6600" b="1" dirty="0">
+                <a:solidFill>
+                  <a:schemeClr val="tx1"/>
+                </a:solidFill>
+                <a:highlight>
+                  <a:srgbClr val="00FFFF"/>
+                </a:highlight>
+              </a:rPr>
+              <a:t> the Fabric</a:t>
+            </a:r>
+            <a:br>
+              <a:rPr lang="en-US" sz="6600" b="1" dirty="0">
+                <a:solidFill>
+                  <a:schemeClr val="tx1"/>
+                </a:solidFill>
+                <a:highlight>
+                  <a:srgbClr val="00FFFF"/>
+                </a:highlight>
+              </a:rPr>
+            </a:br>
+            <a:r>
+              <a:rPr lang="en-US" sz="6600" b="1" dirty="0">
+                <a:solidFill>
+                  <a:schemeClr val="tx1"/>
+                </a:solidFill>
+                <a:highlight>
+                  <a:srgbClr val="00FFFF"/>
+                </a:highlight>
+              </a:rPr>
+              <a:t> of Time</a:t>
+            </a:r>
+          </a:p>
+        </p:txBody>
+      </p:sp>
+      <p:pic>
+        <p:nvPicPr>
+          <p:cNvPr id="3" name="Picture 2">
+            <a:extLst>
+              <a:ext uri="{FF2B5EF4-FFF2-40B4-BE49-F238E27FC236}">
+                <a16:creationId xmlns:a16="http://schemas.microsoft.com/office/drawing/2014/main" id="{CF80D442-1009-9235-88C5-E58780B64754}"/>
+              </a:ext>
+            </a:extLst>
+          </p:cNvPr>
+          <p:cNvPicPr>
+            <a:picLocks noChangeAspect="1"/>
+          </p:cNvPicPr>
+          <p:nvPr/>
+        </p:nvPicPr>
+        <p:blipFill>
+          <a:blip r:embed="rId3"/>
+          <a:stretch>
+            <a:fillRect/>
+          </a:stretch>
+        </p:blipFill>
+        <p:spPr>
+          <a:xfrm>
+            <a:off x="0" y="0"/>
+            <a:ext cx="12192000" cy="6858000"/>
+          </a:xfrm>
+          <a:prstGeom prst="rect">
+            <a:avLst/>
+          </a:prstGeom>
+        </p:spPr>
+      </p:pic>
+    </p:spTree>
+    <p:extLst>
+      <p:ext uri="{BB962C8B-B14F-4D97-AF65-F5344CB8AC3E}">
+        <p14:creationId xmlns:p14="http://schemas.microsoft.com/office/powerpoint/2010/main" val="3353661656"/>
+      </p:ext>
+    </p:extLst>
+  </p:cSld>
+  <p:clrMapOvr>
+    <a:masterClrMapping/>
+  </p:clrMapOvr>
+</p:sld>
+</file>
+
+<file path=ppt/slides/slide3.xml><?xml version="1.0" encoding="utf-8"?>
+<p:sld xmlns:a="http://schemas.openxmlformats.org/drawingml/2006/main" xmlns:r="http://schemas.openxmlformats.org/officeDocument/2006/relationships" xmlns:p="http://schemas.openxmlformats.org/presentationml/2006/main">
+  <p:cSld>
+    <p:bg>
+      <p:bgPr>
+        <a:solidFill>
+          <a:schemeClr val="bg1"/>
+        </a:solidFill>
+        <a:effectLst/>
+      </p:bgPr>
+    </p:bg>
+    <p:spTree>
+      <p:nvGrpSpPr>
+        <p:cNvPr id="1" name=""/>
+        <p:cNvGrpSpPr/>
+        <p:nvPr/>
+      </p:nvGrpSpPr>
+      <p:grpSpPr>
+        <a:xfrm>
+          <a:off x="0" y="0"/>
+          <a:ext cx="0" cy="0"/>
+          <a:chOff x="0" y="0"/>
+          <a:chExt cx="0" cy="0"/>
+        </a:xfrm>
+      </p:grpSpPr>
+      <p:sp useBgFill="1">
+        <p:nvSpPr>
+          <p:cNvPr id="28" name="Rectangle 10">
+            <a:extLst>
+              <a:ext uri="{FF2B5EF4-FFF2-40B4-BE49-F238E27FC236}">
+                <a16:creationId xmlns:a16="http://schemas.microsoft.com/office/drawing/2014/main" id="{82DCBDF1-30E5-4F45-9B63-B53978E9A567}"/>
+              </a:ext>
+              <a:ext uri="{C183D7F6-B498-43B3-948B-1728B52AA6E4}">
+                <adec:decorative xmlns:adec="http://schemas.microsoft.com/office/drawing/2017/decorative" val="1"/>
+              </a:ext>
+            </a:extLst>
+          </p:cNvPr>
+          <p:cNvSpPr>
+            <a:spLocks noGrp="1" noRot="1" noChangeAspect="1" noMove="1" noResize="1" noEditPoints="1" noAdjustHandles="1" noChangeArrowheads="1" noChangeShapeType="1" noTextEdit="1"/>
+          </p:cNvSpPr>
+          <p:nvPr>
+            <p:extLst>
+              <p:ext uri="{386F3935-93C4-4BCD-93E2-E3B085C9AB24}">
+                <p16:designElem xmlns:p16="http://schemas.microsoft.com/office/powerpoint/2015/main" val="1"/>
+              </p:ext>
+            </p:extLst>
+          </p:nvPr>
+        </p:nvSpPr>
+        <p:spPr>
+          <a:xfrm>
+            <a:off x="0" y="0"/>
+            <a:ext cx="12192000" cy="6858000"/>
+          </a:xfrm>
+          <a:prstGeom prst="rect">
+            <a:avLst/>
+          </a:prstGeom>
+          <a:ln w="12700" cap="flat" cmpd="sng" algn="ctr">
+            <a:noFill/>
+            <a:prstDash val="solid"/>
+            <a:miter lim="800000"/>
+          </a:ln>
+          <a:effectLst/>
+          <a:extLst>
+            <a:ext uri="{91240B29-F687-4F45-9708-019B960494DF}">
+              <a14:hiddenLine xmlns:a14="http://schemas.microsoft.com/office/drawing/2010/main" w="12700" cap="flat" cmpd="sng" algn="ctr">
+                <a:solidFill>
+                  <a:schemeClr val="accent1">
+                    <a:shade val="50000"/>
+                  </a:schemeClr>
+                </a:solidFill>
+                <a:prstDash val="solid"/>
+                <a:miter lim="800000"/>
+              </a14:hiddenLine>
+            </a:ext>
+          </a:extLst>
+        </p:spPr>
+        <p:style>
+          <a:lnRef idx="2">
+            <a:schemeClr val="accent1">
+              <a:shade val="50000"/>
+            </a:schemeClr>
+          </a:lnRef>
+          <a:fillRef idx="1">
+            <a:schemeClr val="accent1"/>
+          </a:fillRef>
+          <a:effectRef idx="0">
+            <a:schemeClr val="accent1"/>
+          </a:effectRef>
+          <a:fontRef idx="minor">
+            <a:schemeClr val="lt1"/>
+          </a:fontRef>
+        </p:style>
+        <p:txBody>
+          <a:bodyPr rtlCol="0" anchor="ctr"/>
+          <a:lstStyle/>
+          <a:p>
+            <a:pPr algn="ctr"/>
+            <a:endParaRPr lang="en-US"/>
+          </a:p>
+        </p:txBody>
+      </p:sp>
+      <p:pic>
+        <p:nvPicPr>
           <p:cNvPr id="3" name="Picture 2" descr="A person standing next to a clock&#10;&#10;Description automatically generated with medium confidence">
             <a:extLst>
               <a:ext uri="{FF2B5EF4-FFF2-40B4-BE49-F238E27FC236}">
